--- a/Fihirana Fanampiny/FF 30.pptx
+++ b/Fihirana Fanampiny/FF 30.pptx
@@ -110,6 +110,22 @@
       </a:defRPr>
     </a:lvl9pPr>
   </p:defaultTextStyle>
+  <p:extLst>
+    <p:ext uri="{EFAFB233-063F-42B5-8137-9DF3F51BA10A}">
+      <p15:sldGuideLst xmlns:p15="http://schemas.microsoft.com/office/powerpoint/2012/main">
+        <p15:guide id="1" orient="horz" pos="1620">
+          <p15:clr>
+            <a:srgbClr val="A4A3A4"/>
+          </p15:clr>
+        </p15:guide>
+        <p15:guide id="2" pos="2880">
+          <p15:clr>
+            <a:srgbClr val="A4A3A4"/>
+          </p15:clr>
+        </p15:guide>
+      </p15:sldGuideLst>
+    </p:ext>
+  </p:extLst>
 </p:presentation>
 </file>
 
@@ -294,7 +310,7 @@
           <a:p>
             <a:fld id="{05986B93-1897-43FC-8045-A2E565346D79}" type="datetimeFigureOut">
               <a:rPr lang="fr-FR" smtClean="0"/>
-              <a:t>14/11/2014</a:t>
+              <a:t>04/08/2024</a:t>
             </a:fld>
             <a:endParaRPr lang="fr-FR"/>
           </a:p>
@@ -464,7 +480,7 @@
           <a:p>
             <a:fld id="{05986B93-1897-43FC-8045-A2E565346D79}" type="datetimeFigureOut">
               <a:rPr lang="fr-FR" smtClean="0"/>
-              <a:t>14/11/2014</a:t>
+              <a:t>04/08/2024</a:t>
             </a:fld>
             <a:endParaRPr lang="fr-FR"/>
           </a:p>
@@ -644,7 +660,7 @@
           <a:p>
             <a:fld id="{05986B93-1897-43FC-8045-A2E565346D79}" type="datetimeFigureOut">
               <a:rPr lang="fr-FR" smtClean="0"/>
-              <a:t>14/11/2014</a:t>
+              <a:t>04/08/2024</a:t>
             </a:fld>
             <a:endParaRPr lang="fr-FR"/>
           </a:p>
@@ -814,7 +830,7 @@
           <a:p>
             <a:fld id="{05986B93-1897-43FC-8045-A2E565346D79}" type="datetimeFigureOut">
               <a:rPr lang="fr-FR" smtClean="0"/>
-              <a:t>14/11/2014</a:t>
+              <a:t>04/08/2024</a:t>
             </a:fld>
             <a:endParaRPr lang="fr-FR"/>
           </a:p>
@@ -1060,7 +1076,7 @@
           <a:p>
             <a:fld id="{05986B93-1897-43FC-8045-A2E565346D79}" type="datetimeFigureOut">
               <a:rPr lang="fr-FR" smtClean="0"/>
-              <a:t>14/11/2014</a:t>
+              <a:t>04/08/2024</a:t>
             </a:fld>
             <a:endParaRPr lang="fr-FR"/>
           </a:p>
@@ -1348,7 +1364,7 @@
           <a:p>
             <a:fld id="{05986B93-1897-43FC-8045-A2E565346D79}" type="datetimeFigureOut">
               <a:rPr lang="fr-FR" smtClean="0"/>
-              <a:t>14/11/2014</a:t>
+              <a:t>04/08/2024</a:t>
             </a:fld>
             <a:endParaRPr lang="fr-FR"/>
           </a:p>
@@ -1775,7 +1791,7 @@
           <a:p>
             <a:fld id="{05986B93-1897-43FC-8045-A2E565346D79}" type="datetimeFigureOut">
               <a:rPr lang="fr-FR" smtClean="0"/>
-              <a:t>14/11/2014</a:t>
+              <a:t>04/08/2024</a:t>
             </a:fld>
             <a:endParaRPr lang="fr-FR"/>
           </a:p>
@@ -1893,7 +1909,7 @@
           <a:p>
             <a:fld id="{05986B93-1897-43FC-8045-A2E565346D79}" type="datetimeFigureOut">
               <a:rPr lang="fr-FR" smtClean="0"/>
-              <a:t>14/11/2014</a:t>
+              <a:t>04/08/2024</a:t>
             </a:fld>
             <a:endParaRPr lang="fr-FR"/>
           </a:p>
@@ -1988,7 +2004,7 @@
           <a:p>
             <a:fld id="{05986B93-1897-43FC-8045-A2E565346D79}" type="datetimeFigureOut">
               <a:rPr lang="fr-FR" smtClean="0"/>
-              <a:t>14/11/2014</a:t>
+              <a:t>04/08/2024</a:t>
             </a:fld>
             <a:endParaRPr lang="fr-FR"/>
           </a:p>
@@ -2265,7 +2281,7 @@
           <a:p>
             <a:fld id="{05986B93-1897-43FC-8045-A2E565346D79}" type="datetimeFigureOut">
               <a:rPr lang="fr-FR" smtClean="0"/>
-              <a:t>14/11/2014</a:t>
+              <a:t>04/08/2024</a:t>
             </a:fld>
             <a:endParaRPr lang="fr-FR"/>
           </a:p>
@@ -2518,7 +2534,7 @@
           <a:p>
             <a:fld id="{05986B93-1897-43FC-8045-A2E565346D79}" type="datetimeFigureOut">
               <a:rPr lang="fr-FR" smtClean="0"/>
-              <a:t>14/11/2014</a:t>
+              <a:t>04/08/2024</a:t>
             </a:fld>
             <a:endParaRPr lang="fr-FR"/>
           </a:p>
@@ -2731,7 +2747,7 @@
           <a:p>
             <a:fld id="{05986B93-1897-43FC-8045-A2E565346D79}" type="datetimeFigureOut">
               <a:rPr lang="fr-FR" smtClean="0"/>
-              <a:t>14/11/2014</a:t>
+              <a:t>04/08/2024</a:t>
             </a:fld>
             <a:endParaRPr lang="fr-FR"/>
           </a:p>
@@ -3401,6 +3417,13 @@
   <p:clrMapOvr>
     <a:masterClrMapping/>
   </p:clrMapOvr>
+  <p:timing>
+    <p:tnLst>
+      <p:par>
+        <p:cTn id="1" dur="indefinite" restart="never" nodeType="tmRoot"/>
+      </p:par>
+    </p:tnLst>
+  </p:timing>
 </p:sld>
 </file>
 
@@ -3596,6 +3619,13 @@
   <p:clrMapOvr>
     <a:masterClrMapping/>
   </p:clrMapOvr>
+  <p:timing>
+    <p:tnLst>
+      <p:par>
+        <p:cTn id="1" dur="indefinite" restart="never" nodeType="tmRoot"/>
+      </p:par>
+    </p:tnLst>
+  </p:timing>
 </p:sld>
 </file>
 
@@ -3639,344 +3669,147 @@
           <a:lstStyle/>
           <a:p>
             <a:r>
-              <a:rPr lang="en-GB" sz="5400" i="1" dirty="0" err="1">
-                <a:solidFill>
-                  <a:schemeClr val="accent5">
-                    <a:lumMod val="75000"/>
-                  </a:schemeClr>
-                </a:solidFill>
-              </a:rPr>
+              <a:rPr lang="en-GB" sz="5400" b="1" dirty="0" err="1"/>
               <a:t>Fitiavana</a:t>
             </a:r>
             <a:r>
-              <a:rPr lang="en-GB" sz="5400" i="1" dirty="0">
-                <a:solidFill>
-                  <a:schemeClr val="accent5">
-                    <a:lumMod val="75000"/>
-                  </a:schemeClr>
-                </a:solidFill>
-              </a:rPr>
+              <a:rPr lang="en-GB" sz="5400" b="1" dirty="0"/>
               <a:t> toy </a:t>
             </a:r>
             <a:r>
-              <a:rPr lang="en-GB" sz="5400" i="1" dirty="0" err="1">
-                <a:solidFill>
-                  <a:schemeClr val="accent5">
-                    <a:lumMod val="75000"/>
-                  </a:schemeClr>
-                </a:solidFill>
-              </a:rPr>
+              <a:rPr lang="en-GB" sz="5400" b="1" dirty="0" err="1"/>
               <a:t>ny</a:t>
             </a:r>
             <a:r>
-              <a:rPr lang="en-GB" sz="5400" i="1" dirty="0">
-                <a:solidFill>
-                  <a:schemeClr val="accent5">
-                    <a:lumMod val="75000"/>
-                  </a:schemeClr>
-                </a:solidFill>
-              </a:rPr>
-              <a:t> </a:t>
-            </a:r>
-            <a:r>
-              <a:rPr lang="en-GB" sz="5400" i="1" dirty="0" err="1">
-                <a:solidFill>
-                  <a:schemeClr val="accent5">
-                    <a:lumMod val="75000"/>
-                  </a:schemeClr>
-                </a:solidFill>
-              </a:rPr>
+              <a:rPr lang="en-GB" sz="5400" b="1" dirty="0"/>
+              <a:t> </a:t>
+            </a:r>
+            <a:r>
+              <a:rPr lang="en-GB" sz="5400" b="1" dirty="0" err="1"/>
               <a:t>an’ilay</a:t>
             </a:r>
             <a:r>
-              <a:rPr lang="en-GB" sz="5400" i="1" dirty="0">
-                <a:solidFill>
-                  <a:schemeClr val="accent5">
-                    <a:lumMod val="75000"/>
-                  </a:schemeClr>
-                </a:solidFill>
-              </a:rPr>
-              <a:t> </a:t>
-            </a:r>
-            <a:r>
-              <a:rPr lang="en-GB" sz="5400" i="1" dirty="0" err="1">
-                <a:solidFill>
-                  <a:schemeClr val="accent5">
-                    <a:lumMod val="75000"/>
-                  </a:schemeClr>
-                </a:solidFill>
-              </a:rPr>
+              <a:rPr lang="en-GB" sz="5400" b="1" dirty="0"/>
+              <a:t> </a:t>
+            </a:r>
+            <a:r>
+              <a:rPr lang="en-GB" sz="5400" b="1" dirty="0" err="1"/>
               <a:t>Jesoa</a:t>
             </a:r>
             <a:r>
-              <a:rPr lang="fr-FR" sz="5400" i="1" dirty="0" smtClean="0">
-                <a:solidFill>
-                  <a:schemeClr val="accent5">
-                    <a:lumMod val="75000"/>
-                  </a:schemeClr>
-                </a:solidFill>
+              <a:rPr lang="fr-FR" sz="5400" b="1" dirty="0" smtClean="0">
                 <a:effectLst/>
               </a:rPr>
               <a:t/>
             </a:r>
             <a:br>
-              <a:rPr lang="fr-FR" sz="5400" i="1" dirty="0" smtClean="0">
-                <a:solidFill>
-                  <a:schemeClr val="accent5">
-                    <a:lumMod val="75000"/>
-                  </a:schemeClr>
-                </a:solidFill>
+              <a:rPr lang="fr-FR" sz="5400" b="1" dirty="0" smtClean="0">
                 <a:effectLst/>
               </a:rPr>
             </a:br>
             <a:r>
-              <a:rPr lang="en-GB" sz="5400" i="1" dirty="0" err="1" smtClean="0">
-                <a:solidFill>
-                  <a:schemeClr val="accent5">
-                    <a:lumMod val="75000"/>
-                  </a:schemeClr>
-                </a:solidFill>
-              </a:rPr>
+              <a:rPr lang="en-GB" sz="5400" b="1" dirty="0" err="1" smtClean="0"/>
               <a:t>Fitiavana</a:t>
             </a:r>
             <a:r>
-              <a:rPr lang="en-GB" sz="5400" i="1" dirty="0" smtClean="0">
-                <a:solidFill>
-                  <a:schemeClr val="accent5">
-                    <a:lumMod val="75000"/>
-                  </a:schemeClr>
-                </a:solidFill>
-              </a:rPr>
-              <a:t> </a:t>
-            </a:r>
-            <a:r>
-              <a:rPr lang="en-GB" sz="5400" i="1" dirty="0" err="1">
-                <a:solidFill>
-                  <a:schemeClr val="accent5">
-                    <a:lumMod val="75000"/>
-                  </a:schemeClr>
-                </a:solidFill>
-              </a:rPr>
+              <a:rPr lang="en-GB" sz="5400" b="1" dirty="0" smtClean="0"/>
+              <a:t> </a:t>
+            </a:r>
+            <a:r>
+              <a:rPr lang="en-GB" sz="5400" b="1" dirty="0" err="1"/>
               <a:t>manolotra</a:t>
             </a:r>
             <a:r>
-              <a:rPr lang="en-GB" sz="5400" i="1" dirty="0">
-                <a:solidFill>
-                  <a:schemeClr val="accent5">
-                    <a:lumMod val="75000"/>
-                  </a:schemeClr>
-                </a:solidFill>
-              </a:rPr>
-              <a:t> </a:t>
-            </a:r>
-            <a:r>
-              <a:rPr lang="en-GB" sz="5400" i="1" dirty="0" err="1">
-                <a:solidFill>
-                  <a:schemeClr val="accent5">
-                    <a:lumMod val="75000"/>
-                  </a:schemeClr>
-                </a:solidFill>
-              </a:rPr>
+              <a:rPr lang="en-GB" sz="5400" b="1" dirty="0"/>
+              <a:t> </a:t>
+            </a:r>
+            <a:r>
+              <a:rPr lang="en-GB" sz="5400" b="1" dirty="0" err="1"/>
               <a:t>ny</a:t>
             </a:r>
             <a:r>
-              <a:rPr lang="en-GB" sz="5400" i="1" dirty="0">
-                <a:solidFill>
-                  <a:schemeClr val="accent5">
-                    <a:lumMod val="75000"/>
-                  </a:schemeClr>
-                </a:solidFill>
-              </a:rPr>
-              <a:t> </a:t>
-            </a:r>
-            <a:r>
-              <a:rPr lang="en-GB" sz="5400" i="1" dirty="0" err="1">
-                <a:solidFill>
-                  <a:schemeClr val="accent5">
-                    <a:lumMod val="75000"/>
-                  </a:schemeClr>
-                </a:solidFill>
-              </a:rPr>
+              <a:rPr lang="en-GB" sz="5400" b="1" dirty="0"/>
+              <a:t> </a:t>
+            </a:r>
+            <a:r>
+              <a:rPr lang="en-GB" sz="5400" b="1" dirty="0" err="1"/>
               <a:t>aina</a:t>
             </a:r>
             <a:r>
-              <a:rPr lang="fr-FR" sz="5400" i="1" dirty="0" smtClean="0">
-                <a:solidFill>
-                  <a:schemeClr val="accent5">
-                    <a:lumMod val="75000"/>
-                  </a:schemeClr>
-                </a:solidFill>
+              <a:rPr lang="fr-FR" sz="5400" b="1" dirty="0" smtClean="0">
                 <a:effectLst/>
               </a:rPr>
               <a:t/>
             </a:r>
             <a:br>
-              <a:rPr lang="fr-FR" sz="5400" i="1" dirty="0" smtClean="0">
-                <a:solidFill>
-                  <a:schemeClr val="accent5">
-                    <a:lumMod val="75000"/>
-                  </a:schemeClr>
-                </a:solidFill>
+              <a:rPr lang="fr-FR" sz="5400" b="1" dirty="0" smtClean="0">
                 <a:effectLst/>
               </a:rPr>
             </a:br>
             <a:r>
-              <a:rPr lang="en-GB" sz="5400" i="1" dirty="0" err="1" smtClean="0">
-                <a:solidFill>
-                  <a:schemeClr val="accent5">
-                    <a:lumMod val="75000"/>
-                  </a:schemeClr>
-                </a:solidFill>
-              </a:rPr>
+              <a:rPr lang="en-GB" sz="5400" b="1" dirty="0" err="1" smtClean="0"/>
               <a:t>Fitiavana</a:t>
             </a:r>
             <a:r>
-              <a:rPr lang="en-GB" sz="5400" i="1" dirty="0" smtClean="0">
-                <a:solidFill>
-                  <a:schemeClr val="accent5">
-                    <a:lumMod val="75000"/>
-                  </a:schemeClr>
-                </a:solidFill>
-              </a:rPr>
-              <a:t> </a:t>
-            </a:r>
-            <a:r>
-              <a:rPr lang="en-GB" sz="5400" i="1" dirty="0" err="1">
-                <a:solidFill>
-                  <a:schemeClr val="accent5">
-                    <a:lumMod val="75000"/>
-                  </a:schemeClr>
-                </a:solidFill>
-              </a:rPr>
+              <a:rPr lang="en-GB" sz="5400" b="1" dirty="0" smtClean="0"/>
+              <a:t> </a:t>
+            </a:r>
+            <a:r>
+              <a:rPr lang="en-GB" sz="5400" b="1" dirty="0" err="1"/>
               <a:t>mandresy</a:t>
             </a:r>
             <a:r>
-              <a:rPr lang="en-GB" sz="5400" i="1" dirty="0">
-                <a:solidFill>
-                  <a:schemeClr val="accent5">
-                    <a:lumMod val="75000"/>
-                  </a:schemeClr>
-                </a:solidFill>
-              </a:rPr>
-              <a:t> </a:t>
-            </a:r>
-            <a:r>
-              <a:rPr lang="en-GB" sz="5400" i="1" dirty="0" err="1">
-                <a:solidFill>
-                  <a:schemeClr val="accent5">
-                    <a:lumMod val="75000"/>
-                  </a:schemeClr>
-                </a:solidFill>
-              </a:rPr>
+              <a:rPr lang="en-GB" sz="5400" b="1" dirty="0"/>
+              <a:t> </a:t>
+            </a:r>
+            <a:r>
+              <a:rPr lang="en-GB" sz="5400" b="1" dirty="0" err="1"/>
               <a:t>fahotana</a:t>
             </a:r>
             <a:r>
-              <a:rPr lang="fr-FR" sz="5400" i="1" dirty="0" smtClean="0">
-                <a:solidFill>
-                  <a:schemeClr val="accent5">
-                    <a:lumMod val="75000"/>
-                  </a:schemeClr>
-                </a:solidFill>
+              <a:rPr lang="fr-FR" sz="5400" b="1" dirty="0" smtClean="0">
                 <a:effectLst/>
               </a:rPr>
               <a:t/>
             </a:r>
             <a:br>
-              <a:rPr lang="fr-FR" sz="5400" i="1" dirty="0" smtClean="0">
-                <a:solidFill>
-                  <a:schemeClr val="accent5">
-                    <a:lumMod val="75000"/>
-                  </a:schemeClr>
-                </a:solidFill>
+              <a:rPr lang="fr-FR" sz="5400" b="1" dirty="0" smtClean="0">
                 <a:effectLst/>
               </a:rPr>
             </a:br>
             <a:r>
-              <a:rPr lang="en-GB" sz="5000" i="1" dirty="0" err="1" smtClean="0">
-                <a:solidFill>
-                  <a:schemeClr val="accent5">
-                    <a:lumMod val="75000"/>
-                  </a:schemeClr>
-                </a:solidFill>
-              </a:rPr>
+              <a:rPr lang="en-GB" sz="5000" b="1" dirty="0" err="1" smtClean="0"/>
               <a:t>Fitiavana</a:t>
             </a:r>
             <a:r>
-              <a:rPr lang="en-GB" sz="5000" i="1" dirty="0" smtClean="0">
-                <a:solidFill>
-                  <a:schemeClr val="accent5">
-                    <a:lumMod val="75000"/>
-                  </a:schemeClr>
-                </a:solidFill>
-              </a:rPr>
-              <a:t> </a:t>
-            </a:r>
-            <a:r>
-              <a:rPr lang="en-GB" sz="5000" i="1" dirty="0" err="1">
-                <a:solidFill>
-                  <a:schemeClr val="accent5">
-                    <a:lumMod val="75000"/>
-                  </a:schemeClr>
-                </a:solidFill>
-              </a:rPr>
+              <a:rPr lang="en-GB" sz="5000" b="1" dirty="0" smtClean="0"/>
+              <a:t> </a:t>
+            </a:r>
+            <a:r>
+              <a:rPr lang="en-GB" sz="5000" b="1" dirty="0" err="1"/>
               <a:t>ho</a:t>
             </a:r>
             <a:r>
-              <a:rPr lang="en-GB" sz="5000" i="1" dirty="0">
-                <a:solidFill>
-                  <a:schemeClr val="accent5">
-                    <a:lumMod val="75000"/>
-                  </a:schemeClr>
-                </a:solidFill>
-              </a:rPr>
-              <a:t> </a:t>
-            </a:r>
-            <a:r>
-              <a:rPr lang="en-GB" sz="5000" i="1" dirty="0" err="1" smtClean="0">
-                <a:solidFill>
-                  <a:schemeClr val="accent5">
-                    <a:lumMod val="75000"/>
-                  </a:schemeClr>
-                </a:solidFill>
-              </a:rPr>
+              <a:rPr lang="en-GB" sz="5000" b="1" dirty="0"/>
+              <a:t> </a:t>
+            </a:r>
+            <a:r>
+              <a:rPr lang="en-GB" sz="5000" b="1" dirty="0" err="1" smtClean="0"/>
               <a:t>mandrakizay</a:t>
             </a:r>
             <a:r>
-              <a:rPr lang="en-GB" sz="5000" i="1" dirty="0" smtClean="0">
-                <a:solidFill>
-                  <a:schemeClr val="accent5">
-                    <a:lumMod val="75000"/>
-                  </a:schemeClr>
-                </a:solidFill>
-              </a:rPr>
-              <a:t> </a:t>
-            </a:r>
-            <a:r>
-              <a:rPr lang="en-GB" sz="5000" i="1" dirty="0" err="1" smtClean="0">
-                <a:solidFill>
-                  <a:schemeClr val="accent5">
-                    <a:lumMod val="75000"/>
-                  </a:schemeClr>
-                </a:solidFill>
-              </a:rPr>
+              <a:rPr lang="en-GB" sz="5000" b="1" dirty="0" smtClean="0"/>
+              <a:t> </a:t>
+            </a:r>
+            <a:r>
+              <a:rPr lang="en-GB" sz="5000" b="1" dirty="0" err="1" smtClean="0"/>
               <a:t>doria</a:t>
             </a:r>
             <a:r>
-              <a:rPr lang="en-GB" sz="5000" i="1" dirty="0">
-                <a:solidFill>
-                  <a:schemeClr val="accent5">
-                    <a:lumMod val="75000"/>
-                  </a:schemeClr>
-                </a:solidFill>
-              </a:rPr>
+              <a:rPr lang="en-GB" sz="5000" b="1" dirty="0"/>
               <a:t>.</a:t>
             </a:r>
-            <a:endParaRPr lang="fr-FR" sz="5000" i="1" dirty="0">
-              <a:solidFill>
-                <a:schemeClr val="accent5">
-                  <a:lumMod val="75000"/>
-                </a:schemeClr>
-              </a:solidFill>
+            <a:endParaRPr lang="fr-FR" sz="5000" b="1" dirty="0">
               <a:effectLst/>
             </a:endParaRPr>
           </a:p>
@@ -3992,6 +3825,13 @@
   <p:clrMapOvr>
     <a:masterClrMapping/>
   </p:clrMapOvr>
+  <p:timing>
+    <p:tnLst>
+      <p:par>
+        <p:cTn id="1" dur="indefinite" restart="never" nodeType="tmRoot"/>
+      </p:par>
+    </p:tnLst>
+  </p:timing>
 </p:sld>
 </file>
 
@@ -4442,344 +4282,147 @@
           <a:lstStyle/>
           <a:p>
             <a:r>
-              <a:rPr lang="en-GB" sz="5400" i="1" dirty="0" err="1">
-                <a:solidFill>
-                  <a:schemeClr val="accent5">
-                    <a:lumMod val="75000"/>
-                  </a:schemeClr>
-                </a:solidFill>
-              </a:rPr>
+              <a:rPr lang="en-GB" sz="5400" b="1" dirty="0" err="1"/>
               <a:t>Fitiavana</a:t>
             </a:r>
             <a:r>
-              <a:rPr lang="en-GB" sz="5400" i="1" dirty="0">
-                <a:solidFill>
-                  <a:schemeClr val="accent5">
-                    <a:lumMod val="75000"/>
-                  </a:schemeClr>
-                </a:solidFill>
-              </a:rPr>
+              <a:rPr lang="en-GB" sz="5400" b="1" dirty="0"/>
               <a:t> toy </a:t>
             </a:r>
             <a:r>
-              <a:rPr lang="en-GB" sz="5400" i="1" dirty="0" err="1">
-                <a:solidFill>
-                  <a:schemeClr val="accent5">
-                    <a:lumMod val="75000"/>
-                  </a:schemeClr>
-                </a:solidFill>
-              </a:rPr>
+              <a:rPr lang="en-GB" sz="5400" b="1" dirty="0" err="1"/>
               <a:t>ny</a:t>
             </a:r>
             <a:r>
-              <a:rPr lang="en-GB" sz="5400" i="1" dirty="0">
-                <a:solidFill>
-                  <a:schemeClr val="accent5">
-                    <a:lumMod val="75000"/>
-                  </a:schemeClr>
-                </a:solidFill>
-              </a:rPr>
-              <a:t> </a:t>
-            </a:r>
-            <a:r>
-              <a:rPr lang="en-GB" sz="5400" i="1" dirty="0" err="1">
-                <a:solidFill>
-                  <a:schemeClr val="accent5">
-                    <a:lumMod val="75000"/>
-                  </a:schemeClr>
-                </a:solidFill>
-              </a:rPr>
+              <a:rPr lang="en-GB" sz="5400" b="1" dirty="0"/>
+              <a:t> </a:t>
+            </a:r>
+            <a:r>
+              <a:rPr lang="en-GB" sz="5400" b="1" dirty="0" err="1"/>
               <a:t>an’ilay</a:t>
             </a:r>
             <a:r>
-              <a:rPr lang="en-GB" sz="5400" i="1" dirty="0">
-                <a:solidFill>
-                  <a:schemeClr val="accent5">
-                    <a:lumMod val="75000"/>
-                  </a:schemeClr>
-                </a:solidFill>
-              </a:rPr>
-              <a:t> </a:t>
-            </a:r>
-            <a:r>
-              <a:rPr lang="en-GB" sz="5400" i="1" dirty="0" err="1">
-                <a:solidFill>
-                  <a:schemeClr val="accent5">
-                    <a:lumMod val="75000"/>
-                  </a:schemeClr>
-                </a:solidFill>
-              </a:rPr>
+              <a:rPr lang="en-GB" sz="5400" b="1" dirty="0"/>
+              <a:t> </a:t>
+            </a:r>
+            <a:r>
+              <a:rPr lang="en-GB" sz="5400" b="1" dirty="0" err="1"/>
               <a:t>Jesoa</a:t>
             </a:r>
             <a:r>
-              <a:rPr lang="fr-FR" sz="5400" i="1" dirty="0" smtClean="0">
-                <a:solidFill>
-                  <a:schemeClr val="accent5">
-                    <a:lumMod val="75000"/>
-                  </a:schemeClr>
-                </a:solidFill>
+              <a:rPr lang="fr-FR" sz="5400" b="1" dirty="0" smtClean="0">
                 <a:effectLst/>
               </a:rPr>
               <a:t/>
             </a:r>
             <a:br>
-              <a:rPr lang="fr-FR" sz="5400" i="1" dirty="0" smtClean="0">
-                <a:solidFill>
-                  <a:schemeClr val="accent5">
-                    <a:lumMod val="75000"/>
-                  </a:schemeClr>
-                </a:solidFill>
+              <a:rPr lang="fr-FR" sz="5400" b="1" dirty="0" smtClean="0">
                 <a:effectLst/>
               </a:rPr>
             </a:br>
             <a:r>
-              <a:rPr lang="en-GB" sz="5400" i="1" dirty="0" err="1" smtClean="0">
-                <a:solidFill>
-                  <a:schemeClr val="accent5">
-                    <a:lumMod val="75000"/>
-                  </a:schemeClr>
-                </a:solidFill>
-              </a:rPr>
+              <a:rPr lang="en-GB" sz="5400" b="1" dirty="0" err="1" smtClean="0"/>
               <a:t>Fitiavana</a:t>
             </a:r>
             <a:r>
-              <a:rPr lang="en-GB" sz="5400" i="1" dirty="0" smtClean="0">
-                <a:solidFill>
-                  <a:schemeClr val="accent5">
-                    <a:lumMod val="75000"/>
-                  </a:schemeClr>
-                </a:solidFill>
-              </a:rPr>
-              <a:t> </a:t>
-            </a:r>
-            <a:r>
-              <a:rPr lang="en-GB" sz="5400" i="1" dirty="0" err="1">
-                <a:solidFill>
-                  <a:schemeClr val="accent5">
-                    <a:lumMod val="75000"/>
-                  </a:schemeClr>
-                </a:solidFill>
-              </a:rPr>
+              <a:rPr lang="en-GB" sz="5400" b="1" dirty="0" smtClean="0"/>
+              <a:t> </a:t>
+            </a:r>
+            <a:r>
+              <a:rPr lang="en-GB" sz="5400" b="1" dirty="0" err="1"/>
               <a:t>manolotra</a:t>
             </a:r>
             <a:r>
-              <a:rPr lang="en-GB" sz="5400" i="1" dirty="0">
-                <a:solidFill>
-                  <a:schemeClr val="accent5">
-                    <a:lumMod val="75000"/>
-                  </a:schemeClr>
-                </a:solidFill>
-              </a:rPr>
-              <a:t> </a:t>
-            </a:r>
-            <a:r>
-              <a:rPr lang="en-GB" sz="5400" i="1" dirty="0" err="1">
-                <a:solidFill>
-                  <a:schemeClr val="accent5">
-                    <a:lumMod val="75000"/>
-                  </a:schemeClr>
-                </a:solidFill>
-              </a:rPr>
+              <a:rPr lang="en-GB" sz="5400" b="1" dirty="0"/>
+              <a:t> </a:t>
+            </a:r>
+            <a:r>
+              <a:rPr lang="en-GB" sz="5400" b="1" dirty="0" err="1"/>
               <a:t>ny</a:t>
             </a:r>
             <a:r>
-              <a:rPr lang="en-GB" sz="5400" i="1" dirty="0">
-                <a:solidFill>
-                  <a:schemeClr val="accent5">
-                    <a:lumMod val="75000"/>
-                  </a:schemeClr>
-                </a:solidFill>
-              </a:rPr>
-              <a:t> </a:t>
-            </a:r>
-            <a:r>
-              <a:rPr lang="en-GB" sz="5400" i="1" dirty="0" err="1">
-                <a:solidFill>
-                  <a:schemeClr val="accent5">
-                    <a:lumMod val="75000"/>
-                  </a:schemeClr>
-                </a:solidFill>
-              </a:rPr>
+              <a:rPr lang="en-GB" sz="5400" b="1" dirty="0"/>
+              <a:t> </a:t>
+            </a:r>
+            <a:r>
+              <a:rPr lang="en-GB" sz="5400" b="1" dirty="0" err="1"/>
               <a:t>aina</a:t>
             </a:r>
             <a:r>
-              <a:rPr lang="fr-FR" sz="5400" i="1" dirty="0" smtClean="0">
-                <a:solidFill>
-                  <a:schemeClr val="accent5">
-                    <a:lumMod val="75000"/>
-                  </a:schemeClr>
-                </a:solidFill>
+              <a:rPr lang="fr-FR" sz="5400" b="1" dirty="0" smtClean="0">
                 <a:effectLst/>
               </a:rPr>
               <a:t/>
             </a:r>
             <a:br>
-              <a:rPr lang="fr-FR" sz="5400" i="1" dirty="0" smtClean="0">
-                <a:solidFill>
-                  <a:schemeClr val="accent5">
-                    <a:lumMod val="75000"/>
-                  </a:schemeClr>
-                </a:solidFill>
+              <a:rPr lang="fr-FR" sz="5400" b="1" dirty="0" smtClean="0">
                 <a:effectLst/>
               </a:rPr>
             </a:br>
             <a:r>
-              <a:rPr lang="en-GB" sz="5400" i="1" dirty="0" err="1" smtClean="0">
-                <a:solidFill>
-                  <a:schemeClr val="accent5">
-                    <a:lumMod val="75000"/>
-                  </a:schemeClr>
-                </a:solidFill>
-              </a:rPr>
+              <a:rPr lang="en-GB" sz="5400" b="1" dirty="0" err="1" smtClean="0"/>
               <a:t>Fitiavana</a:t>
             </a:r>
             <a:r>
-              <a:rPr lang="en-GB" sz="5400" i="1" dirty="0" smtClean="0">
-                <a:solidFill>
-                  <a:schemeClr val="accent5">
-                    <a:lumMod val="75000"/>
-                  </a:schemeClr>
-                </a:solidFill>
-              </a:rPr>
-              <a:t> </a:t>
-            </a:r>
-            <a:r>
-              <a:rPr lang="en-GB" sz="5400" i="1" dirty="0" err="1">
-                <a:solidFill>
-                  <a:schemeClr val="accent5">
-                    <a:lumMod val="75000"/>
-                  </a:schemeClr>
-                </a:solidFill>
-              </a:rPr>
+              <a:rPr lang="en-GB" sz="5400" b="1" dirty="0" smtClean="0"/>
+              <a:t> </a:t>
+            </a:r>
+            <a:r>
+              <a:rPr lang="en-GB" sz="5400" b="1" dirty="0" err="1"/>
               <a:t>mandresy</a:t>
             </a:r>
             <a:r>
-              <a:rPr lang="en-GB" sz="5400" i="1" dirty="0">
-                <a:solidFill>
-                  <a:schemeClr val="accent5">
-                    <a:lumMod val="75000"/>
-                  </a:schemeClr>
-                </a:solidFill>
-              </a:rPr>
-              <a:t> </a:t>
-            </a:r>
-            <a:r>
-              <a:rPr lang="en-GB" sz="5400" i="1" dirty="0" err="1">
-                <a:solidFill>
-                  <a:schemeClr val="accent5">
-                    <a:lumMod val="75000"/>
-                  </a:schemeClr>
-                </a:solidFill>
-              </a:rPr>
+              <a:rPr lang="en-GB" sz="5400" b="1" dirty="0"/>
+              <a:t> </a:t>
+            </a:r>
+            <a:r>
+              <a:rPr lang="en-GB" sz="5400" b="1" dirty="0" err="1"/>
               <a:t>fahotana</a:t>
             </a:r>
             <a:r>
-              <a:rPr lang="fr-FR" sz="5400" i="1" dirty="0" smtClean="0">
-                <a:solidFill>
-                  <a:schemeClr val="accent5">
-                    <a:lumMod val="75000"/>
-                  </a:schemeClr>
-                </a:solidFill>
+              <a:rPr lang="fr-FR" sz="5400" b="1" dirty="0" smtClean="0">
                 <a:effectLst/>
               </a:rPr>
               <a:t/>
             </a:r>
             <a:br>
-              <a:rPr lang="fr-FR" sz="5400" i="1" dirty="0" smtClean="0">
-                <a:solidFill>
-                  <a:schemeClr val="accent5">
-                    <a:lumMod val="75000"/>
-                  </a:schemeClr>
-                </a:solidFill>
+              <a:rPr lang="fr-FR" sz="5400" b="1" dirty="0" smtClean="0">
                 <a:effectLst/>
               </a:rPr>
             </a:br>
             <a:r>
-              <a:rPr lang="en-GB" sz="5000" i="1" dirty="0" err="1" smtClean="0">
-                <a:solidFill>
-                  <a:schemeClr val="accent5">
-                    <a:lumMod val="75000"/>
-                  </a:schemeClr>
-                </a:solidFill>
-              </a:rPr>
+              <a:rPr lang="en-GB" sz="5000" b="1" dirty="0" err="1" smtClean="0"/>
               <a:t>Fitiavana</a:t>
             </a:r>
             <a:r>
-              <a:rPr lang="en-GB" sz="5000" i="1" dirty="0" smtClean="0">
-                <a:solidFill>
-                  <a:schemeClr val="accent5">
-                    <a:lumMod val="75000"/>
-                  </a:schemeClr>
-                </a:solidFill>
-              </a:rPr>
-              <a:t> </a:t>
-            </a:r>
-            <a:r>
-              <a:rPr lang="en-GB" sz="5000" i="1" dirty="0" err="1">
-                <a:solidFill>
-                  <a:schemeClr val="accent5">
-                    <a:lumMod val="75000"/>
-                  </a:schemeClr>
-                </a:solidFill>
-              </a:rPr>
+              <a:rPr lang="en-GB" sz="5000" b="1" dirty="0" smtClean="0"/>
+              <a:t> </a:t>
+            </a:r>
+            <a:r>
+              <a:rPr lang="en-GB" sz="5000" b="1" dirty="0" err="1"/>
               <a:t>ho</a:t>
             </a:r>
             <a:r>
-              <a:rPr lang="en-GB" sz="5000" i="1" dirty="0">
-                <a:solidFill>
-                  <a:schemeClr val="accent5">
-                    <a:lumMod val="75000"/>
-                  </a:schemeClr>
-                </a:solidFill>
-              </a:rPr>
-              <a:t> </a:t>
-            </a:r>
-            <a:r>
-              <a:rPr lang="en-GB" sz="5000" i="1" dirty="0" err="1" smtClean="0">
-                <a:solidFill>
-                  <a:schemeClr val="accent5">
-                    <a:lumMod val="75000"/>
-                  </a:schemeClr>
-                </a:solidFill>
-              </a:rPr>
+              <a:rPr lang="en-GB" sz="5000" b="1" dirty="0"/>
+              <a:t> </a:t>
+            </a:r>
+            <a:r>
+              <a:rPr lang="en-GB" sz="5000" b="1" dirty="0" err="1" smtClean="0"/>
               <a:t>mandrakizay</a:t>
             </a:r>
             <a:r>
-              <a:rPr lang="en-GB" sz="5000" i="1" dirty="0" smtClean="0">
-                <a:solidFill>
-                  <a:schemeClr val="accent5">
-                    <a:lumMod val="75000"/>
-                  </a:schemeClr>
-                </a:solidFill>
-              </a:rPr>
-              <a:t> </a:t>
-            </a:r>
-            <a:r>
-              <a:rPr lang="en-GB" sz="5000" i="1" dirty="0" err="1" smtClean="0">
-                <a:solidFill>
-                  <a:schemeClr val="accent5">
-                    <a:lumMod val="75000"/>
-                  </a:schemeClr>
-                </a:solidFill>
-              </a:rPr>
+              <a:rPr lang="en-GB" sz="5000" b="1" dirty="0" smtClean="0"/>
+              <a:t> </a:t>
+            </a:r>
+            <a:r>
+              <a:rPr lang="en-GB" sz="5000" b="1" dirty="0" err="1" smtClean="0"/>
               <a:t>doria</a:t>
             </a:r>
             <a:r>
-              <a:rPr lang="en-GB" sz="5000" i="1" dirty="0">
-                <a:solidFill>
-                  <a:schemeClr val="accent5">
-                    <a:lumMod val="75000"/>
-                  </a:schemeClr>
-                </a:solidFill>
-              </a:rPr>
+              <a:rPr lang="en-GB" sz="5000" b="1" dirty="0"/>
               <a:t>.</a:t>
             </a:r>
-            <a:endParaRPr lang="fr-FR" sz="5000" i="1" dirty="0">
-              <a:solidFill>
-                <a:schemeClr val="accent5">
-                  <a:lumMod val="75000"/>
-                </a:schemeClr>
-              </a:solidFill>
+            <a:endParaRPr lang="fr-FR" sz="5000" b="1" dirty="0">
               <a:effectLst/>
             </a:endParaRPr>
           </a:p>
